--- a/Presentazione.pptx
+++ b/Presentazione.pptx
@@ -16988,7 +16988,7 @@
             <a:pPr rtl="0"/>
             <a:r>
               <a:rPr lang="it-IT" dirty="0"/>
-              <a:t>Compagna politica al fine di offrire sostegno e assistenza alle vittime di violenza.</a:t>
+              <a:t>Campagna politica al fine di offrire sostegno e assistenza alle vittime di violenza.</a:t>
             </a:r>
           </a:p>
           <a:p>
@@ -20871,7 +20871,7 @@
             <a:pPr rtl="0"/>
             <a:r>
               <a:rPr lang="it-IT" dirty="0"/>
-              <a:t>Per l’analisi dei risultati sono stati usati grafici a dispersione che permettono di comprendere meglio i modelli comportamentali degli utenti. Per una migliore visualizzazione, è stato fissato l’arco temporale sull’asse delle ascisse e la frequenza delle emozioni sull’asse delle ordinate.</a:t>
+              <a:t>Per l’analisi dei risultati sono stati usati grafici a linee che permettono di comprendere meglio i modelli comportamentali degli utenti. Per una migliore visualizzazione, è stato fissato l’arco temporale sull’asse delle ascisse e la frequenza delle emozioni sull’asse delle ordinate.</a:t>
             </a:r>
           </a:p>
         </p:txBody>
@@ -21751,25 +21751,6 @@
 </file>
 
 <file path=customXml/item1.xml><?xml version="1.0" encoding="utf-8"?>
-<p:properties xmlns:p="http://schemas.microsoft.com/office/2006/metadata/properties" xmlns:xsi="http://www.w3.org/2001/XMLSchema-instance" xmlns:pc="http://schemas.microsoft.com/office/infopath/2007/PartnerControls">
-  <documentManagement>
-    <_ip_UnifiedCompliancePolicyUIAction xmlns="http://schemas.microsoft.com/sharepoint/v3" xsi:nil="true"/>
-    <Image xmlns="71af3243-3dd4-4a8d-8c0d-dd76da1f02a5">
-      <Url xsi:nil="true"/>
-      <Description xsi:nil="true"/>
-    </Image>
-    <Status xmlns="71af3243-3dd4-4a8d-8c0d-dd76da1f02a5">Not started</Status>
-    <_ip_UnifiedCompliancePolicyProperties xmlns="http://schemas.microsoft.com/sharepoint/v3" xsi:nil="true"/>
-    <lcf76f155ced4ddcb4097134ff3c332f xmlns="71af3243-3dd4-4a8d-8c0d-dd76da1f02a5">
-      <Terms xmlns="http://schemas.microsoft.com/office/infopath/2007/PartnerControls"/>
-    </lcf76f155ced4ddcb4097134ff3c332f>
-    <TaxCatchAll xmlns="230e9df3-be65-4c73-a93b-d1236ebd677e"/>
-    <MediaServiceKeyPoints xmlns="71af3243-3dd4-4a8d-8c0d-dd76da1f02a5" xsi:nil="true"/>
-  </documentManagement>
-</p:properties>
-</file>
-
-<file path=customXml/item2.xml><?xml version="1.0" encoding="utf-8"?>
 <ct:contentTypeSchema xmlns:ct="http://schemas.microsoft.com/office/2006/metadata/contentType" xmlns:ma="http://schemas.microsoft.com/office/2006/metadata/properties/metaAttributes" ct:_="" ma:_="" ma:contentTypeName="Document" ma:contentTypeID="0x01010079F111ED35F8CC479449609E8A0923A6" ma:contentTypeVersion="18" ma:contentTypeDescription="Create a new document." ma:contentTypeScope="" ma:versionID="22a266b9fa9a230c5a512669d8b298c3">
   <xsd:schema xmlns:xsd="http://www.w3.org/2001/XMLSchema" xmlns:xs="http://www.w3.org/2001/XMLSchema" xmlns:p="http://schemas.microsoft.com/office/2006/metadata/properties" xmlns:ns1="http://schemas.microsoft.com/sharepoint/v3" xmlns:ns2="71af3243-3dd4-4a8d-8c0d-dd76da1f02a5" xmlns:ns3="16c05727-aa75-4e4a-9b5f-8a80a1165891" xmlns:ns4="230e9df3-be65-4c73-a93b-d1236ebd677e" targetNamespace="http://schemas.microsoft.com/office/2006/metadata/properties" ma:root="true" ma:fieldsID="eddc33fff6b14141ee5c74a0d29ea6a1" ns1:_="" ns2:_="" ns3:_="" ns4:_="">
     <xsd:import namespace="http://schemas.microsoft.com/sharepoint/v3"/>
@@ -22045,6 +22026,25 @@
 </ct:contentTypeSchema>
 </file>
 
+<file path=customXml/item2.xml><?xml version="1.0" encoding="utf-8"?>
+<p:properties xmlns:p="http://schemas.microsoft.com/office/2006/metadata/properties" xmlns:xsi="http://www.w3.org/2001/XMLSchema-instance" xmlns:pc="http://schemas.microsoft.com/office/infopath/2007/PartnerControls">
+  <documentManagement>
+    <_ip_UnifiedCompliancePolicyUIAction xmlns="http://schemas.microsoft.com/sharepoint/v3" xsi:nil="true"/>
+    <Image xmlns="71af3243-3dd4-4a8d-8c0d-dd76da1f02a5">
+      <Url xsi:nil="true"/>
+      <Description xsi:nil="true"/>
+    </Image>
+    <Status xmlns="71af3243-3dd4-4a8d-8c0d-dd76da1f02a5">Not started</Status>
+    <_ip_UnifiedCompliancePolicyProperties xmlns="http://schemas.microsoft.com/sharepoint/v3" xsi:nil="true"/>
+    <lcf76f155ced4ddcb4097134ff3c332f xmlns="71af3243-3dd4-4a8d-8c0d-dd76da1f02a5">
+      <Terms xmlns="http://schemas.microsoft.com/office/infopath/2007/PartnerControls"/>
+    </lcf76f155ced4ddcb4097134ff3c332f>
+    <TaxCatchAll xmlns="230e9df3-be65-4c73-a93b-d1236ebd677e"/>
+    <MediaServiceKeyPoints xmlns="71af3243-3dd4-4a8d-8c0d-dd76da1f02a5" xsi:nil="true"/>
+  </documentManagement>
+</p:properties>
+</file>
+
 <file path=customXml/item3.xml><?xml version="1.0" encoding="utf-8"?>
 <?mso-contentType ?>
 <FormTemplates xmlns="http://schemas.microsoft.com/sharepoint/v3/contenttype/forms">
@@ -22055,18 +22055,6 @@
 </file>
 
 <file path=customXml/itemProps1.xml><?xml version="1.0" encoding="utf-8"?>
-<ds:datastoreItem xmlns:ds="http://schemas.openxmlformats.org/officeDocument/2006/customXml" ds:itemID="{50811A92-D464-4AC4-A396-BA73B10CEEAC}">
-  <ds:schemaRefs>
-    <ds:schemaRef ds:uri="http://schemas.microsoft.com/office/2006/metadata/properties"/>
-    <ds:schemaRef ds:uri="http://schemas.microsoft.com/office/infopath/2007/PartnerControls"/>
-    <ds:schemaRef ds:uri="http://schemas.microsoft.com/sharepoint/v3"/>
-    <ds:schemaRef ds:uri="71af3243-3dd4-4a8d-8c0d-dd76da1f02a5"/>
-    <ds:schemaRef ds:uri="230e9df3-be65-4c73-a93b-d1236ebd677e"/>
-  </ds:schemaRefs>
-</ds:datastoreItem>
-</file>
-
-<file path=customXml/itemProps2.xml><?xml version="1.0" encoding="utf-8"?>
 <ds:datastoreItem xmlns:ds="http://schemas.openxmlformats.org/officeDocument/2006/customXml" ds:itemID="{DE4876F9-7AE1-498D-B8FE-1E3AD703D2AF}">
   <ds:schemaRefs>
     <ds:schemaRef ds:uri="http://schemas.microsoft.com/office/2006/metadata/contentType"/>
@@ -22087,6 +22075,18 @@
 </ds:datastoreItem>
 </file>
 
+<file path=customXml/itemProps2.xml><?xml version="1.0" encoding="utf-8"?>
+<ds:datastoreItem xmlns:ds="http://schemas.openxmlformats.org/officeDocument/2006/customXml" ds:itemID="{50811A92-D464-4AC4-A396-BA73B10CEEAC}">
+  <ds:schemaRefs>
+    <ds:schemaRef ds:uri="http://schemas.microsoft.com/office/2006/metadata/properties"/>
+    <ds:schemaRef ds:uri="http://schemas.microsoft.com/office/infopath/2007/PartnerControls"/>
+    <ds:schemaRef ds:uri="http://schemas.microsoft.com/sharepoint/v3"/>
+    <ds:schemaRef ds:uri="71af3243-3dd4-4a8d-8c0d-dd76da1f02a5"/>
+    <ds:schemaRef ds:uri="230e9df3-be65-4c73-a93b-d1236ebd677e"/>
+  </ds:schemaRefs>
+</ds:datastoreItem>
+</file>
+
 <file path=customXml/itemProps3.xml><?xml version="1.0" encoding="utf-8"?>
 <ds:datastoreItem xmlns:ds="http://schemas.openxmlformats.org/officeDocument/2006/customXml" ds:itemID="{904751AB-E840-446F-8D49-E697067EC887}">
   <ds:schemaRefs>
